--- a/docs/presentation_powerpoint.pptx
+++ b/docs/presentation_powerpoint.pptx
@@ -5,7 +5,7 @@
     <p:sldMasterId id="2147483648" r:id="rId1"/>
   </p:sldMasterIdLst>
   <p:notesMasterIdLst>
-    <p:notesMasterId r:id="rId16"/>
+    <p:notesMasterId r:id="rId17"/>
   </p:notesMasterIdLst>
   <p:sldIdLst>
     <p:sldId id="258" r:id="rId2"/>
@@ -20,8 +20,9 @@
     <p:sldId id="264" r:id="rId11"/>
     <p:sldId id="267" r:id="rId12"/>
     <p:sldId id="271" r:id="rId13"/>
-    <p:sldId id="270" r:id="rId14"/>
-    <p:sldId id="269" r:id="rId15"/>
+    <p:sldId id="272" r:id="rId14"/>
+    <p:sldId id="270" r:id="rId15"/>
+    <p:sldId id="269" r:id="rId16"/>
   </p:sldIdLst>
   <p:sldSz cx="12192000" cy="6858000"/>
   <p:notesSz cx="12192000" cy="6858000"/>
@@ -356,7 +357,7 @@
           <a:p>
             <a:fld id="{26604F21-9B18-4DE1-AB54-6E38A9691DB2}" type="datetimeFigureOut">
               <a:rPr lang="it-IT" smtClean="0"/>
-              <a:t>15/11/2025</a:t>
+              <a:t>18/11/2025</a:t>
             </a:fld>
             <a:endParaRPr lang="it-IT"/>
           </a:p>
@@ -3270,7 +3271,7 @@
         <p:spPr>
           <a:xfrm>
             <a:off x="647700" y="1905000"/>
-            <a:ext cx="10896600" cy="3108543"/>
+            <a:ext cx="10896600" cy="3539430"/>
           </a:xfrm>
           <a:prstGeom prst="rect">
             <a:avLst/>
@@ -3381,6 +3382,27 @@
               <a:rPr lang="it-IT" sz="2800" b="1" dirty="0">
                 <a:latin typeface="Aptos" panose="020B0004020202020204" pitchFamily="34" charset="0"/>
               </a:rPr>
+              <a:t>IDE: </a:t>
+            </a:r>
+            <a:r>
+              <a:rPr lang="it-IT" sz="2800" dirty="0" err="1">
+                <a:latin typeface="Aptos" panose="020B0004020202020204" pitchFamily="34" charset="0"/>
+              </a:rPr>
+              <a:t>PyCharm</a:t>
+            </a:r>
+            <a:endParaRPr lang="it-IT" sz="2800" b="1" dirty="0">
+              <a:latin typeface="Aptos" panose="020B0004020202020204" pitchFamily="34" charset="0"/>
+            </a:endParaRPr>
+          </a:p>
+          <a:p>
+            <a:pPr marL="457200" indent="-457200" algn="just">
+              <a:buFont typeface="Arial" panose="020B0604020202020204" pitchFamily="34" charset="0"/>
+              <a:buChar char="•"/>
+            </a:pPr>
+            <a:r>
+              <a:rPr lang="it-IT" sz="2800" b="1" dirty="0">
+                <a:latin typeface="Aptos" panose="020B0004020202020204" pitchFamily="34" charset="0"/>
+              </a:rPr>
               <a:t>Containerizzazione e deployment: </a:t>
             </a:r>
             <a:r>
@@ -3484,7 +3506,7 @@
         </p:blipFill>
         <p:spPr bwMode="auto">
           <a:xfrm>
-            <a:off x="10058400" y="5033359"/>
+            <a:off x="9861257" y="5136979"/>
             <a:ext cx="1007601" cy="1007601"/>
           </a:xfrm>
           <a:prstGeom prst="rect">
@@ -3746,7 +3768,7 @@
         </p:blipFill>
         <p:spPr bwMode="auto">
           <a:xfrm>
-            <a:off x="7592846" y="1498552"/>
+            <a:off x="8128216" y="1477500"/>
             <a:ext cx="1070740" cy="1070740"/>
           </a:xfrm>
           <a:prstGeom prst="rect">
@@ -3793,7 +3815,7 @@
         </p:blipFill>
         <p:spPr bwMode="auto">
           <a:xfrm>
-            <a:off x="9342217" y="1778394"/>
+            <a:off x="9376976" y="1794276"/>
             <a:ext cx="988082" cy="733920"/>
           </a:xfrm>
           <a:prstGeom prst="rect">
@@ -3840,7 +3862,7 @@
         </p:blipFill>
         <p:spPr bwMode="auto">
           <a:xfrm>
-            <a:off x="7213879" y="2658979"/>
+            <a:off x="7402468" y="2705069"/>
             <a:ext cx="2622379" cy="945902"/>
           </a:xfrm>
           <a:prstGeom prst="rect">
@@ -3887,7 +3909,7 @@
         </p:blipFill>
         <p:spPr bwMode="auto">
           <a:xfrm>
-            <a:off x="8305800" y="4534654"/>
+            <a:off x="8575037" y="5237447"/>
             <a:ext cx="1407163" cy="1094460"/>
           </a:xfrm>
           <a:prstGeom prst="rect">
@@ -3920,7 +3942,7 @@
           <p:nvPr/>
         </p:nvPicPr>
         <p:blipFill>
-          <a:blip r:embed="rId7">
+          <a:blip r:embed="rId7" cstate="print">
             <a:extLst>
               <a:ext uri="{28A0092B-C50C-407E-A947-70E740481C1C}">
                 <a14:useLocalDpi xmlns:a14="http://schemas.microsoft.com/office/drawing/2010/main" val="0"/>
@@ -3934,7 +3956,7 @@
         </p:blipFill>
         <p:spPr bwMode="auto">
           <a:xfrm>
-            <a:off x="6858000" y="4885672"/>
+            <a:off x="7606650" y="5180378"/>
             <a:ext cx="968387" cy="881850"/>
           </a:xfrm>
           <a:prstGeom prst="rect">
@@ -3967,7 +3989,7 @@
           <p:nvPr/>
         </p:nvPicPr>
         <p:blipFill>
-          <a:blip r:embed="rId8">
+          <a:blip r:embed="rId8" cstate="print">
             <a:extLst>
               <a:ext uri="{28A0092B-C50C-407E-A947-70E740481C1C}">
                 <a14:useLocalDpi xmlns:a14="http://schemas.microsoft.com/office/drawing/2010/main" val="0"/>
@@ -3981,8 +4003,8 @@
         </p:blipFill>
         <p:spPr bwMode="auto">
           <a:xfrm>
-            <a:off x="10315569" y="2852562"/>
-            <a:ext cx="916673" cy="1006626"/>
+            <a:off x="10073128" y="2586313"/>
+            <a:ext cx="861375" cy="945902"/>
           </a:xfrm>
           <a:prstGeom prst="rect">
             <a:avLst/>
@@ -4290,7 +4312,7 @@
         <p:spPr>
           <a:xfrm>
             <a:off x="723900" y="365720"/>
-            <a:ext cx="8733481" cy="1015663"/>
+            <a:ext cx="5910592" cy="1015663"/>
           </a:xfrm>
           <a:prstGeom prst="rect">
             <a:avLst/>
@@ -4307,7 +4329,7 @@
               <a:rPr lang="it-IT" sz="6000" b="1" dirty="0">
                 <a:latin typeface="Aptos" panose="020B0004020202020204" pitchFamily="34" charset="0"/>
               </a:rPr>
-              <a:t>Progettazione modelli AI</a:t>
+              <a:t>Progettazione AI</a:t>
             </a:r>
           </a:p>
         </p:txBody>
@@ -4364,10 +4386,10 @@
       </p:sp>
       <p:sp>
         <p:nvSpPr>
-          <p:cNvPr id="5" name="CasellaDiTesto 4">
+          <p:cNvPr id="9" name="CasellaDiTesto 8">
             <a:extLst>
               <a:ext uri="{FF2B5EF4-FFF2-40B4-BE49-F238E27FC236}">
-                <a16:creationId xmlns:a16="http://schemas.microsoft.com/office/drawing/2014/main" id="{349F50FF-19D7-19D2-3C22-1DF991DA0EAA}"/>
+                <a16:creationId xmlns:a16="http://schemas.microsoft.com/office/drawing/2014/main" id="{C67A032E-00E3-F29C-72CE-C87D57CF3826}"/>
               </a:ext>
             </a:extLst>
           </p:cNvPr>
@@ -4376,8 +4398,8 @@
         </p:nvSpPr>
         <p:spPr>
           <a:xfrm>
-            <a:off x="723900" y="1905000"/>
-            <a:ext cx="10782300" cy="1384995"/>
+            <a:off x="647699" y="1656566"/>
+            <a:ext cx="10896600" cy="2677656"/>
           </a:xfrm>
           <a:prstGeom prst="rect">
             <a:avLst/>
@@ -4390,6 +4412,15 @@
           </a:bodyPr>
           <a:lstStyle/>
           <a:p>
+            <a:pPr algn="just"/>
+            <a:r>
+              <a:rPr lang="it-IT" sz="2800" dirty="0">
+                <a:latin typeface="Aptos" panose="020B0004020202020204" pitchFamily="34" charset="0"/>
+              </a:rPr>
+              <a:t>Al momento della richiesta:</a:t>
+            </a:r>
+          </a:p>
+          <a:p>
             <a:pPr marL="457200" indent="-457200" algn="just">
               <a:buFont typeface="Arial" panose="020B0604020202020204" pitchFamily="34" charset="0"/>
               <a:buChar char="•"/>
@@ -4398,7 +4429,13 @@
               <a:rPr lang="it-IT" sz="2800" b="1" dirty="0">
                 <a:latin typeface="Aptos" panose="020B0004020202020204" pitchFamily="34" charset="0"/>
               </a:rPr>
-              <a:t>Tipologie di analisi</a:t>
+              <a:t>Client (medico): </a:t>
+            </a:r>
+            <a:r>
+              <a:rPr lang="it-IT" sz="2800" dirty="0">
+                <a:latin typeface="Aptos" panose="020B0004020202020204" pitchFamily="34" charset="0"/>
+              </a:rPr>
+              <a:t>Seleziona la strategia desiderata in base alla natura dei dati disponibili</a:t>
             </a:r>
           </a:p>
           <a:p>
@@ -4407,26 +4444,72 @@
               <a:buChar char="•"/>
             </a:pPr>
             <a:r>
+              <a:rPr lang="it-IT" sz="2800" b="1" dirty="0" err="1">
+                <a:latin typeface="Aptos" panose="020B0004020202020204" pitchFamily="34" charset="0"/>
+              </a:rPr>
+              <a:t>Explainable</a:t>
+            </a:r>
+            <a:r>
               <a:rPr lang="it-IT" sz="2800" b="1" dirty="0">
                 <a:latin typeface="Aptos" panose="020B0004020202020204" pitchFamily="34" charset="0"/>
               </a:rPr>
-              <a:t>Tecnologie (es. BERT, CNN, …)</a:t>
-            </a:r>
-          </a:p>
-          <a:p>
-            <a:pPr marL="457200" indent="-457200" algn="just">
-              <a:buFont typeface="Arial" panose="020B0604020202020204" pitchFamily="34" charset="0"/>
-              <a:buChar char="•"/>
-            </a:pPr>
-            <a:r>
-              <a:rPr lang="it-IT" sz="2800" b="1" dirty="0">
-                <a:latin typeface="Aptos" panose="020B0004020202020204" pitchFamily="34" charset="0"/>
-              </a:rPr>
-              <a:t>Limiti di dominio</a:t>
+              <a:t> AI Service: </a:t>
+            </a:r>
+            <a:r>
+              <a:rPr lang="it-IT" sz="2800" dirty="0">
+                <a:latin typeface="Aptos" panose="020B0004020202020204" pitchFamily="34" charset="0"/>
+              </a:rPr>
+              <a:t>Esegue l’algoritmo corrispondente</a:t>
+            </a:r>
+          </a:p>
+          <a:p>
+            <a:pPr algn="just"/>
+            <a:r>
+              <a:rPr lang="it-IT" sz="2800" dirty="0">
+                <a:latin typeface="Aptos" panose="020B0004020202020204" pitchFamily="34" charset="0"/>
+              </a:rPr>
+              <a:t>→ Aggiungere, rimuovere o modificare i modelli di AI senza alterare la logica del client</a:t>
             </a:r>
           </a:p>
         </p:txBody>
       </p:sp>
+      <p:pic>
+        <p:nvPicPr>
+          <p:cNvPr id="13" name="Immagine 12" descr="Immagine che contiene calligrafia, testo, bianco, Carattere&#10;&#10;Il contenuto generato dall'IA potrebbe non essere corretto.">
+            <a:extLst>
+              <a:ext uri="{FF2B5EF4-FFF2-40B4-BE49-F238E27FC236}">
+                <a16:creationId xmlns:a16="http://schemas.microsoft.com/office/drawing/2014/main" id="{66ECBBAD-6276-3266-8B59-9AA5225113C8}"/>
+              </a:ext>
+            </a:extLst>
+          </p:cNvPr>
+          <p:cNvPicPr>
+            <a:picLocks noChangeAspect="1"/>
+          </p:cNvPicPr>
+          <p:nvPr/>
+        </p:nvPicPr>
+        <p:blipFill>
+          <a:blip r:embed="rId2">
+            <a:extLst>
+              <a:ext uri="{28A0092B-C50C-407E-A947-70E740481C1C}">
+                <a14:useLocalDpi xmlns:a14="http://schemas.microsoft.com/office/drawing/2010/main" val="0"/>
+              </a:ext>
+            </a:extLst>
+          </a:blip>
+          <a:srcRect r="1847" b="2419"/>
+          <a:stretch>
+            <a:fillRect/>
+          </a:stretch>
+        </p:blipFill>
+        <p:spPr>
+          <a:xfrm>
+            <a:off x="3455506" y="4069630"/>
+            <a:ext cx="5280985" cy="2263607"/>
+          </a:xfrm>
+          <a:prstGeom prst="rect">
+            <a:avLst/>
+          </a:prstGeom>
+        </p:spPr>
+      </p:pic>
     </p:spTree>
     <p:extLst>
       <p:ext uri="{BB962C8B-B14F-4D97-AF65-F5344CB8AC3E}">
@@ -4453,6 +4536,564 @@
 </file>
 
 <file path=ppt/slides/slide13.xml><?xml version="1.0" encoding="utf-8"?>
+<p:sld xmlns:a="http://schemas.openxmlformats.org/drawingml/2006/main" xmlns:r="http://schemas.openxmlformats.org/officeDocument/2006/relationships" xmlns:p="http://schemas.openxmlformats.org/presentationml/2006/main" showMasterSp="0">
+  <p:cSld>
+    <p:spTree>
+      <p:nvGrpSpPr>
+        <p:cNvPr id="1" name="">
+          <a:extLst>
+            <a:ext uri="{FF2B5EF4-FFF2-40B4-BE49-F238E27FC236}">
+              <a16:creationId xmlns:a16="http://schemas.microsoft.com/office/drawing/2014/main" id="{CBBBE5F9-A7F0-8F3C-7DEF-8D266DA150FB}"/>
+            </a:ext>
+          </a:extLst>
+        </p:cNvPr>
+        <p:cNvGrpSpPr/>
+        <p:nvPr/>
+      </p:nvGrpSpPr>
+      <p:grpSpPr>
+        <a:xfrm>
+          <a:off x="0" y="0"/>
+          <a:ext cx="0" cy="0"/>
+          <a:chOff x="0" y="0"/>
+          <a:chExt cx="0" cy="0"/>
+        </a:xfrm>
+      </p:grpSpPr>
+      <p:grpSp>
+        <p:nvGrpSpPr>
+          <p:cNvPr id="2" name="object 9">
+            <a:extLst>
+              <a:ext uri="{FF2B5EF4-FFF2-40B4-BE49-F238E27FC236}">
+                <a16:creationId xmlns:a16="http://schemas.microsoft.com/office/drawing/2014/main" id="{FE39E717-ADB4-1B4B-B79E-037A8E9C7B3D}"/>
+              </a:ext>
+            </a:extLst>
+          </p:cNvPr>
+          <p:cNvGrpSpPr/>
+          <p:nvPr/>
+        </p:nvGrpSpPr>
+        <p:grpSpPr>
+          <a:xfrm>
+            <a:off x="-7209" y="6455826"/>
+            <a:ext cx="12211050" cy="403860"/>
+            <a:chOff x="-7209" y="6455826"/>
+            <a:chExt cx="12211050" cy="403860"/>
+          </a:xfrm>
+          <a:solidFill>
+            <a:srgbClr val="009999"/>
+          </a:solidFill>
+        </p:grpSpPr>
+        <p:sp>
+          <p:nvSpPr>
+            <p:cNvPr id="3" name="object 10">
+              <a:extLst>
+                <a:ext uri="{FF2B5EF4-FFF2-40B4-BE49-F238E27FC236}">
+                  <a16:creationId xmlns:a16="http://schemas.microsoft.com/office/drawing/2014/main" id="{3716ADD0-9735-8778-8A94-8DA0A3C408FB}"/>
+                </a:ext>
+              </a:extLst>
+            </p:cNvPr>
+            <p:cNvSpPr/>
+            <p:nvPr/>
+          </p:nvSpPr>
+          <p:spPr>
+            <a:xfrm>
+              <a:off x="2315" y="6465351"/>
+              <a:ext cx="12192000" cy="384810"/>
+            </a:xfrm>
+            <a:custGeom>
+              <a:avLst/>
+              <a:gdLst/>
+              <a:ahLst/>
+              <a:cxnLst/>
+              <a:rect l="l" t="t" r="r" b="b"/>
+              <a:pathLst>
+                <a:path w="12192000" h="384809">
+                  <a:moveTo>
+                    <a:pt x="12191619" y="0"/>
+                  </a:moveTo>
+                  <a:lnTo>
+                    <a:pt x="0" y="0"/>
+                  </a:lnTo>
+                  <a:lnTo>
+                    <a:pt x="0" y="384657"/>
+                  </a:lnTo>
+                  <a:lnTo>
+                    <a:pt x="12191619" y="384657"/>
+                  </a:lnTo>
+                  <a:lnTo>
+                    <a:pt x="12191619" y="0"/>
+                  </a:lnTo>
+                  <a:close/>
+                </a:path>
+              </a:pathLst>
+            </a:custGeom>
+            <a:grpFill/>
+          </p:spPr>
+          <p:txBody>
+            <a:bodyPr wrap="square" lIns="0" tIns="0" rIns="0" bIns="0" rtlCol="0"/>
+            <a:lstStyle/>
+            <a:p>
+              <a:endParaRPr/>
+            </a:p>
+          </p:txBody>
+        </p:sp>
+        <p:sp>
+          <p:nvSpPr>
+            <p:cNvPr id="4" name="object 11">
+              <a:extLst>
+                <a:ext uri="{FF2B5EF4-FFF2-40B4-BE49-F238E27FC236}">
+                  <a16:creationId xmlns:a16="http://schemas.microsoft.com/office/drawing/2014/main" id="{1E008910-9F54-4BEB-89BE-066F94C66355}"/>
+                </a:ext>
+              </a:extLst>
+            </p:cNvPr>
+            <p:cNvSpPr/>
+            <p:nvPr/>
+          </p:nvSpPr>
+          <p:spPr>
+            <a:xfrm>
+              <a:off x="2315" y="6465351"/>
+              <a:ext cx="12192000" cy="384810"/>
+            </a:xfrm>
+            <a:custGeom>
+              <a:avLst/>
+              <a:gdLst/>
+              <a:ahLst/>
+              <a:cxnLst/>
+              <a:rect l="l" t="t" r="r" b="b"/>
+              <a:pathLst>
+                <a:path w="12192000" h="384809">
+                  <a:moveTo>
+                    <a:pt x="0" y="384657"/>
+                  </a:moveTo>
+                  <a:lnTo>
+                    <a:pt x="12191619" y="384657"/>
+                  </a:lnTo>
+                  <a:lnTo>
+                    <a:pt x="12191619" y="0"/>
+                  </a:lnTo>
+                  <a:lnTo>
+                    <a:pt x="0" y="0"/>
+                  </a:lnTo>
+                  <a:lnTo>
+                    <a:pt x="0" y="384657"/>
+                  </a:lnTo>
+                  <a:close/>
+                </a:path>
+              </a:pathLst>
+            </a:custGeom>
+            <a:grpFill/>
+            <a:ln w="19050">
+              <a:solidFill>
+                <a:srgbClr val="009999"/>
+              </a:solidFill>
+            </a:ln>
+          </p:spPr>
+          <p:txBody>
+            <a:bodyPr wrap="square" lIns="0" tIns="0" rIns="0" bIns="0" rtlCol="0"/>
+            <a:lstStyle/>
+            <a:p>
+              <a:endParaRPr/>
+            </a:p>
+          </p:txBody>
+        </p:sp>
+      </p:grpSp>
+      <p:sp>
+        <p:nvSpPr>
+          <p:cNvPr id="16" name="CasellaDiTesto 15">
+            <a:extLst>
+              <a:ext uri="{FF2B5EF4-FFF2-40B4-BE49-F238E27FC236}">
+                <a16:creationId xmlns:a16="http://schemas.microsoft.com/office/drawing/2014/main" id="{ABD5EACA-F7F3-5C91-C1E9-55ECE4C423BA}"/>
+              </a:ext>
+            </a:extLst>
+          </p:cNvPr>
+          <p:cNvSpPr txBox="1"/>
+          <p:nvPr/>
+        </p:nvSpPr>
+        <p:spPr>
+          <a:xfrm>
+            <a:off x="11383169" y="6489268"/>
+            <a:ext cx="431528" cy="369332"/>
+          </a:xfrm>
+          <a:prstGeom prst="rect">
+            <a:avLst/>
+          </a:prstGeom>
+          <a:noFill/>
+        </p:spPr>
+        <p:txBody>
+          <a:bodyPr wrap="none" rtlCol="0">
+            <a:spAutoFit/>
+          </a:bodyPr>
+          <a:lstStyle/>
+          <a:p>
+            <a:pPr algn="ctr"/>
+            <a:r>
+              <a:rPr lang="it-IT" dirty="0">
+                <a:solidFill>
+                  <a:schemeClr val="bg1"/>
+                </a:solidFill>
+                <a:latin typeface="Aptos" panose="020B0004020202020204" pitchFamily="34" charset="0"/>
+              </a:rPr>
+              <a:t>12</a:t>
+            </a:r>
+          </a:p>
+        </p:txBody>
+      </p:sp>
+      <p:sp>
+        <p:nvSpPr>
+          <p:cNvPr id="19" name="CasellaDiTesto 18">
+            <a:extLst>
+              <a:ext uri="{FF2B5EF4-FFF2-40B4-BE49-F238E27FC236}">
+                <a16:creationId xmlns:a16="http://schemas.microsoft.com/office/drawing/2014/main" id="{2F1CFB52-E5EC-1431-9AB7-EBCDB152BAB4}"/>
+              </a:ext>
+            </a:extLst>
+          </p:cNvPr>
+          <p:cNvSpPr txBox="1"/>
+          <p:nvPr/>
+        </p:nvSpPr>
+        <p:spPr>
+          <a:xfrm>
+            <a:off x="723900" y="365720"/>
+            <a:ext cx="3658374" cy="1015663"/>
+          </a:xfrm>
+          <a:prstGeom prst="rect">
+            <a:avLst/>
+          </a:prstGeom>
+          <a:noFill/>
+        </p:spPr>
+        <p:txBody>
+          <a:bodyPr wrap="none" rtlCol="0">
+            <a:spAutoFit/>
+          </a:bodyPr>
+          <a:lstStyle/>
+          <a:p>
+            <a:r>
+              <a:rPr lang="it-IT" sz="6000" b="1" dirty="0">
+                <a:latin typeface="Aptos" panose="020B0004020202020204" pitchFamily="34" charset="0"/>
+              </a:rPr>
+              <a:t>Modelli AI</a:t>
+            </a:r>
+          </a:p>
+        </p:txBody>
+      </p:sp>
+      <p:sp>
+        <p:nvSpPr>
+          <p:cNvPr id="11" name="CasellaDiTesto 10">
+            <a:extLst>
+              <a:ext uri="{FF2B5EF4-FFF2-40B4-BE49-F238E27FC236}">
+                <a16:creationId xmlns:a16="http://schemas.microsoft.com/office/drawing/2014/main" id="{DA51C4E3-7393-1F88-377C-0E35D57346F3}"/>
+              </a:ext>
+            </a:extLst>
+          </p:cNvPr>
+          <p:cNvSpPr txBox="1"/>
+          <p:nvPr/>
+        </p:nvSpPr>
+        <p:spPr>
+          <a:xfrm>
+            <a:off x="439017" y="6473090"/>
+            <a:ext cx="2084225" cy="369332"/>
+          </a:xfrm>
+          <a:prstGeom prst="rect">
+            <a:avLst/>
+          </a:prstGeom>
+          <a:noFill/>
+        </p:spPr>
+        <p:txBody>
+          <a:bodyPr wrap="none" rtlCol="0">
+            <a:spAutoFit/>
+          </a:bodyPr>
+          <a:lstStyle/>
+          <a:p>
+            <a:pPr algn="ctr"/>
+            <a:r>
+              <a:rPr lang="it-IT" dirty="0" err="1">
+                <a:solidFill>
+                  <a:schemeClr val="bg1"/>
+                </a:solidFill>
+                <a:latin typeface="Aptos" panose="020B0004020202020204" pitchFamily="34" charset="0"/>
+              </a:rPr>
+              <a:t>EarlyCare</a:t>
+            </a:r>
+            <a:r>
+              <a:rPr lang="it-IT" dirty="0">
+                <a:solidFill>
+                  <a:schemeClr val="bg1"/>
+                </a:solidFill>
+                <a:latin typeface="Aptos" panose="020B0004020202020204" pitchFamily="34" charset="0"/>
+              </a:rPr>
+              <a:t> Gateway</a:t>
+            </a:r>
+          </a:p>
+        </p:txBody>
+      </p:sp>
+      <p:sp>
+        <p:nvSpPr>
+          <p:cNvPr id="9" name="CasellaDiTesto 8">
+            <a:extLst>
+              <a:ext uri="{FF2B5EF4-FFF2-40B4-BE49-F238E27FC236}">
+                <a16:creationId xmlns:a16="http://schemas.microsoft.com/office/drawing/2014/main" id="{D851C590-6F5D-1FC6-48E6-AF2184D24E09}"/>
+              </a:ext>
+            </a:extLst>
+          </p:cNvPr>
+          <p:cNvSpPr txBox="1"/>
+          <p:nvPr/>
+        </p:nvSpPr>
+        <p:spPr>
+          <a:xfrm>
+            <a:off x="647700" y="1381383"/>
+            <a:ext cx="10896600" cy="4832092"/>
+          </a:xfrm>
+          <a:prstGeom prst="rect">
+            <a:avLst/>
+          </a:prstGeom>
+          <a:noFill/>
+        </p:spPr>
+        <p:txBody>
+          <a:bodyPr wrap="square" rtlCol="0">
+            <a:spAutoFit/>
+          </a:bodyPr>
+          <a:lstStyle/>
+          <a:p>
+            <a:pPr algn="just"/>
+            <a:r>
+              <a:rPr lang="it-IT" sz="2800" dirty="0">
+                <a:latin typeface="Aptos" panose="020B0004020202020204" pitchFamily="34" charset="0"/>
+              </a:rPr>
+              <a:t>Strategia AI «</a:t>
+            </a:r>
+            <a:r>
+              <a:rPr lang="it-IT" sz="2800" dirty="0" err="1">
+                <a:latin typeface="Aptos" panose="020B0004020202020204" pitchFamily="34" charset="0"/>
+              </a:rPr>
+              <a:t>swappable</a:t>
+            </a:r>
+            <a:r>
+              <a:rPr lang="it-IT" sz="2800" dirty="0">
+                <a:latin typeface="Aptos" panose="020B0004020202020204" pitchFamily="34" charset="0"/>
+              </a:rPr>
+              <a:t> by domain/</a:t>
+            </a:r>
+            <a:r>
+              <a:rPr lang="it-IT" sz="2800" dirty="0" err="1">
+                <a:latin typeface="Aptos" panose="020B0004020202020204" pitchFamily="34" charset="0"/>
+              </a:rPr>
+              <a:t>pathology</a:t>
+            </a:r>
+            <a:r>
+              <a:rPr lang="it-IT" sz="2800" dirty="0">
+                <a:latin typeface="Aptos" panose="020B0004020202020204" pitchFamily="34" charset="0"/>
+              </a:rPr>
+              <a:t>»</a:t>
+            </a:r>
+          </a:p>
+          <a:p>
+            <a:pPr algn="just"/>
+            <a:endParaRPr lang="it-IT" sz="2800" dirty="0">
+              <a:latin typeface="Aptos" panose="020B0004020202020204" pitchFamily="34" charset="0"/>
+            </a:endParaRPr>
+          </a:p>
+          <a:p>
+            <a:pPr algn="just"/>
+            <a:r>
+              <a:rPr lang="it-IT" sz="2800" b="1" dirty="0">
+                <a:latin typeface="Aptos" panose="020B0004020202020204" pitchFamily="34" charset="0"/>
+              </a:rPr>
+              <a:t>Testo:</a:t>
+            </a:r>
+          </a:p>
+          <a:p>
+            <a:pPr marL="457200" indent="-457200" algn="just">
+              <a:buFont typeface="Arial" panose="020B0604020202020204" pitchFamily="34" charset="0"/>
+              <a:buChar char="•"/>
+            </a:pPr>
+            <a:r>
+              <a:rPr lang="it-IT" sz="2800" b="1" dirty="0" err="1">
+                <a:latin typeface="Aptos" panose="020B0004020202020204" pitchFamily="34" charset="0"/>
+              </a:rPr>
+              <a:t>ClinicalBERT</a:t>
+            </a:r>
+            <a:r>
+              <a:rPr lang="it-IT" sz="2800" b="1" dirty="0">
+                <a:latin typeface="Aptos" panose="020B0004020202020204" pitchFamily="34" charset="0"/>
+              </a:rPr>
+              <a:t>: </a:t>
+            </a:r>
+            <a:r>
+              <a:rPr lang="it-IT" sz="2800" dirty="0">
+                <a:latin typeface="Aptos" panose="020B0004020202020204" pitchFamily="34" charset="0"/>
+              </a:rPr>
+              <a:t>Transformer </a:t>
+            </a:r>
+            <a:r>
+              <a:rPr lang="it-IT" sz="2800" dirty="0" err="1">
+                <a:latin typeface="Aptos" panose="020B0004020202020204" pitchFamily="34" charset="0"/>
+              </a:rPr>
+              <a:t>pre</a:t>
+            </a:r>
+            <a:r>
+              <a:rPr lang="it-IT" sz="2800" dirty="0">
+                <a:latin typeface="Aptos" panose="020B0004020202020204" pitchFamily="34" charset="0"/>
+              </a:rPr>
+              <a:t>-addestrato specificatamente su testi biomedici</a:t>
+            </a:r>
+            <a:endParaRPr lang="it-IT" sz="2800" b="1" dirty="0">
+              <a:latin typeface="Aptos" panose="020B0004020202020204" pitchFamily="34" charset="0"/>
+            </a:endParaRPr>
+          </a:p>
+          <a:p>
+            <a:pPr algn="just"/>
+            <a:r>
+              <a:rPr lang="it-IT" sz="2800" b="1" dirty="0">
+                <a:latin typeface="Aptos" panose="020B0004020202020204" pitchFamily="34" charset="0"/>
+              </a:rPr>
+              <a:t>Immagini e segnali:</a:t>
+            </a:r>
+          </a:p>
+          <a:p>
+            <a:pPr marL="457200" indent="-457200" algn="just">
+              <a:buFont typeface="Arial" panose="020B0604020202020204" pitchFamily="34" charset="0"/>
+              <a:buChar char="•"/>
+            </a:pPr>
+            <a:r>
+              <a:rPr lang="it-IT" sz="2800" b="1" dirty="0" err="1">
+                <a:latin typeface="Aptos" panose="020B0004020202020204" pitchFamily="34" charset="0"/>
+              </a:rPr>
+              <a:t>CheXNet</a:t>
+            </a:r>
+            <a:r>
+              <a:rPr lang="it-IT" sz="2800" dirty="0">
+                <a:latin typeface="Aptos" panose="020B0004020202020204" pitchFamily="34" charset="0"/>
+              </a:rPr>
+              <a:t>: CNN specializzata per radiografie toraciche (RX)</a:t>
+            </a:r>
+          </a:p>
+          <a:p>
+            <a:pPr marL="457200" indent="-457200" algn="just">
+              <a:buFont typeface="Arial" panose="020B0604020202020204" pitchFamily="34" charset="0"/>
+              <a:buChar char="•"/>
+            </a:pPr>
+            <a:r>
+              <a:rPr lang="it-IT" sz="2800" b="1" dirty="0" err="1">
+                <a:latin typeface="Aptos" panose="020B0004020202020204" pitchFamily="34" charset="0"/>
+              </a:rPr>
+              <a:t>EfficientNet</a:t>
+            </a:r>
+            <a:r>
+              <a:rPr lang="it-IT" sz="2800" b="1" dirty="0">
+                <a:latin typeface="Aptos" panose="020B0004020202020204" pitchFamily="34" charset="0"/>
+              </a:rPr>
+              <a:t>: </a:t>
+            </a:r>
+            <a:r>
+              <a:rPr lang="it-IT" sz="2800" dirty="0">
+                <a:latin typeface="Aptos" panose="020B0004020202020204" pitchFamily="34" charset="0"/>
+              </a:rPr>
+              <a:t>CNN specializzata per lesioni cutanee</a:t>
+            </a:r>
+            <a:endParaRPr lang="it-IT" sz="2800" b="1" dirty="0">
+              <a:latin typeface="Aptos" panose="020B0004020202020204" pitchFamily="34" charset="0"/>
+            </a:endParaRPr>
+          </a:p>
+          <a:p>
+            <a:pPr marL="457200" indent="-457200" algn="just">
+              <a:buFont typeface="Arial" panose="020B0604020202020204" pitchFamily="34" charset="0"/>
+              <a:buChar char="•"/>
+            </a:pPr>
+            <a:r>
+              <a:rPr lang="it-IT" sz="2800" b="1" dirty="0">
+                <a:latin typeface="Aptos" panose="020B0004020202020204" pitchFamily="34" charset="0"/>
+              </a:rPr>
+              <a:t>Google Gemini: </a:t>
+            </a:r>
+            <a:r>
+              <a:rPr lang="it-IT" sz="2800" dirty="0">
+                <a:latin typeface="Aptos" panose="020B0004020202020204" pitchFamily="34" charset="0"/>
+              </a:rPr>
+              <a:t>Per altri domini di imaging e segnali</a:t>
+            </a:r>
+          </a:p>
+          <a:p>
+            <a:pPr algn="just"/>
+            <a:r>
+              <a:rPr lang="it-IT" sz="2800" b="1" dirty="0">
+                <a:latin typeface="Aptos" panose="020B0004020202020204" pitchFamily="34" charset="0"/>
+              </a:rPr>
+              <a:t>Dati strutturati:</a:t>
+            </a:r>
+          </a:p>
+          <a:p>
+            <a:pPr marL="457200" indent="-457200" algn="just">
+              <a:buFont typeface="Arial" panose="020B0604020202020204" pitchFamily="34" charset="0"/>
+              <a:buChar char="•"/>
+            </a:pPr>
+            <a:r>
+              <a:rPr lang="it-IT" sz="2800" b="1" dirty="0" err="1">
+                <a:latin typeface="Aptos" panose="020B0004020202020204" pitchFamily="34" charset="0"/>
+              </a:rPr>
+              <a:t>XGBoost</a:t>
+            </a:r>
+            <a:r>
+              <a:rPr lang="it-IT" sz="2800" b="1" dirty="0">
+                <a:latin typeface="Aptos" panose="020B0004020202020204" pitchFamily="34" charset="0"/>
+              </a:rPr>
+              <a:t>: </a:t>
+            </a:r>
+            <a:r>
+              <a:rPr lang="it-IT" sz="2800" dirty="0">
+                <a:latin typeface="Aptos" panose="020B0004020202020204" pitchFamily="34" charset="0"/>
+              </a:rPr>
+              <a:t>Modello basato su </a:t>
+            </a:r>
+            <a:r>
+              <a:rPr lang="it-IT" sz="2800" dirty="0" err="1">
+                <a:latin typeface="Aptos" panose="020B0004020202020204" pitchFamily="34" charset="0"/>
+              </a:rPr>
+              <a:t>Gradient</a:t>
+            </a:r>
+            <a:r>
+              <a:rPr lang="it-IT" sz="2800" dirty="0">
+                <a:latin typeface="Aptos" panose="020B0004020202020204" pitchFamily="34" charset="0"/>
+              </a:rPr>
+              <a:t> </a:t>
+            </a:r>
+            <a:r>
+              <a:rPr lang="it-IT" sz="2800" dirty="0" err="1">
+                <a:latin typeface="Aptos" panose="020B0004020202020204" pitchFamily="34" charset="0"/>
+              </a:rPr>
+              <a:t>Boosting</a:t>
+            </a:r>
+            <a:r>
+              <a:rPr lang="it-IT" sz="2800" dirty="0">
+                <a:latin typeface="Aptos" panose="020B0004020202020204" pitchFamily="34" charset="0"/>
+              </a:rPr>
+              <a:t> per dati tabulari</a:t>
+            </a:r>
+          </a:p>
+        </p:txBody>
+      </p:sp>
+    </p:spTree>
+    <p:extLst>
+      <p:ext uri="{BB962C8B-B14F-4D97-AF65-F5344CB8AC3E}">
+        <p14:creationId xmlns:p14="http://schemas.microsoft.com/office/powerpoint/2010/main" val="3570085246"/>
+      </p:ext>
+    </p:extLst>
+  </p:cSld>
+  <p:clrMapOvr>
+    <a:masterClrMapping/>
+  </p:clrMapOvr>
+  <mc:AlternateContent xmlns:mc="http://schemas.openxmlformats.org/markup-compatibility/2006">
+    <mc:Choice xmlns:p159="http://schemas.microsoft.com/office/powerpoint/2015/09/main" Requires="p159">
+      <p:transition>
+        <p159:morph option="byObject"/>
+      </p:transition>
+    </mc:Choice>
+    <mc:Fallback>
+      <p:transition>
+        <p:fade/>
+      </p:transition>
+    </mc:Fallback>
+  </mc:AlternateContent>
+</p:sld>
+</file>
+
+<file path=ppt/slides/slide14.xml><?xml version="1.0" encoding="utf-8"?>
 <p:sld xmlns:a="http://schemas.openxmlformats.org/drawingml/2006/main" xmlns:r="http://schemas.openxmlformats.org/officeDocument/2006/relationships" xmlns:p="http://schemas.openxmlformats.org/presentationml/2006/main" showMasterSp="0">
   <p:cSld>
     <p:spTree>
@@ -4648,7 +5289,7 @@
                 </a:solidFill>
                 <a:latin typeface="Aptos" panose="020B0004020202020204" pitchFamily="34" charset="0"/>
               </a:rPr>
-              <a:t>12</a:t>
+              <a:t>13</a:t>
             </a:r>
           </a:p>
         </p:txBody>
@@ -4748,10 +5389,10 @@
       </p:sp>
       <p:sp>
         <p:nvSpPr>
-          <p:cNvPr id="5" name="CasellaDiTesto 4">
+          <p:cNvPr id="6" name="CasellaDiTesto 5">
             <a:extLst>
               <a:ext uri="{FF2B5EF4-FFF2-40B4-BE49-F238E27FC236}">
-                <a16:creationId xmlns:a16="http://schemas.microsoft.com/office/drawing/2014/main" id="{203EF8C1-6D00-AE8B-2F8F-B4B0609B2619}"/>
+                <a16:creationId xmlns:a16="http://schemas.microsoft.com/office/drawing/2014/main" id="{19F42627-50AF-A130-9F10-C8FFC616F379}"/>
               </a:ext>
             </a:extLst>
           </p:cNvPr>
@@ -4760,8 +5401,8 @@
         </p:nvSpPr>
         <p:spPr>
           <a:xfrm>
-            <a:off x="723900" y="1905000"/>
-            <a:ext cx="10782300" cy="954107"/>
+            <a:off x="723900" y="2153652"/>
+            <a:ext cx="10896600" cy="3539430"/>
           </a:xfrm>
           <a:prstGeom prst="rect">
             <a:avLst/>
@@ -4774,6 +5415,39 @@
           </a:bodyPr>
           <a:lstStyle/>
           <a:p>
+            <a:pPr algn="just"/>
+            <a:r>
+              <a:rPr lang="it-IT" sz="2800" dirty="0">
+                <a:latin typeface="Aptos" panose="020B0004020202020204" pitchFamily="34" charset="0"/>
+              </a:rPr>
+              <a:t>Requisito non funzionale critico</a:t>
+            </a:r>
+          </a:p>
+          <a:p>
+            <a:pPr algn="just"/>
+            <a:endParaRPr lang="it-IT" sz="2800" dirty="0">
+              <a:latin typeface="Aptos" panose="020B0004020202020204" pitchFamily="34" charset="0"/>
+            </a:endParaRPr>
+          </a:p>
+          <a:p>
+            <a:pPr algn="just"/>
+            <a:r>
+              <a:rPr lang="it-IT" sz="2800" b="1" dirty="0">
+                <a:latin typeface="Aptos" panose="020B0004020202020204" pitchFamily="34" charset="0"/>
+              </a:rPr>
+              <a:t>Modelli non-LLM: </a:t>
+            </a:r>
+            <a:r>
+              <a:rPr lang="it-IT" sz="2800" dirty="0">
+                <a:latin typeface="Aptos" panose="020B0004020202020204" pitchFamily="34" charset="0"/>
+              </a:rPr>
+              <a:t>Post-Hoc</a:t>
+            </a:r>
+            <a:endParaRPr lang="it-IT" sz="2800" b="1" dirty="0">
+              <a:latin typeface="Aptos" panose="020B0004020202020204" pitchFamily="34" charset="0"/>
+            </a:endParaRPr>
+          </a:p>
+          <a:p>
             <a:pPr marL="457200" indent="-457200" algn="just">
               <a:buFont typeface="Arial" panose="020B0604020202020204" pitchFamily="34" charset="0"/>
               <a:buChar char="•"/>
@@ -4782,11 +5456,112 @@
               <a:rPr lang="it-IT" sz="2800" b="1" dirty="0">
                 <a:latin typeface="Aptos" panose="020B0004020202020204" pitchFamily="34" charset="0"/>
               </a:rPr>
-              <a:t>Metodi per ogni modello per ottenere testo/grafici di spiegazione</a:t>
-            </a:r>
+              <a:t>SHAP (Post-Hoc): </a:t>
+            </a:r>
+            <a:r>
+              <a:rPr lang="it-IT" sz="2800" dirty="0">
+                <a:latin typeface="Aptos" panose="020B0004020202020204" pitchFamily="34" charset="0"/>
+              </a:rPr>
+              <a:t>Calcola il contributo di ciascuna feature di input alla decisione finale</a:t>
+            </a:r>
+          </a:p>
+          <a:p>
+            <a:pPr algn="just"/>
+            <a:r>
+              <a:rPr lang="it-IT" sz="2800" b="1" dirty="0">
+                <a:latin typeface="Aptos" panose="020B0004020202020204" pitchFamily="34" charset="0"/>
+              </a:rPr>
+              <a:t>Modello LLM: </a:t>
+            </a:r>
+            <a:r>
+              <a:rPr lang="it-IT" sz="2800" dirty="0">
+                <a:latin typeface="Aptos" panose="020B0004020202020204" pitchFamily="34" charset="0"/>
+              </a:rPr>
+              <a:t>Intrinseca con prompt engineering</a:t>
+            </a:r>
+          </a:p>
+          <a:p>
+            <a:pPr marL="457200" indent="-457200" algn="just">
+              <a:buFont typeface="Arial" panose="020B0604020202020204" pitchFamily="34" charset="0"/>
+              <a:buChar char="•"/>
+            </a:pPr>
+            <a:r>
+              <a:rPr lang="it-IT" sz="2800" b="1" dirty="0">
+                <a:latin typeface="Aptos" panose="020B0004020202020204" pitchFamily="34" charset="0"/>
+              </a:rPr>
+              <a:t>Chain of </a:t>
+            </a:r>
+            <a:r>
+              <a:rPr lang="it-IT" sz="2800" b="1" dirty="0" err="1">
+                <a:latin typeface="Aptos" panose="020B0004020202020204" pitchFamily="34" charset="0"/>
+              </a:rPr>
+              <a:t>Thought</a:t>
+            </a:r>
+            <a:r>
+              <a:rPr lang="it-IT" sz="2800" b="1" dirty="0">
+                <a:latin typeface="Aptos" panose="020B0004020202020204" pitchFamily="34" charset="0"/>
+              </a:rPr>
+              <a:t>: </a:t>
+            </a:r>
+            <a:r>
+              <a:rPr lang="it-IT" sz="2800" dirty="0">
+                <a:latin typeface="Aptos" panose="020B0004020202020204" pitchFamily="34" charset="0"/>
+              </a:rPr>
+              <a:t>Output testuale che descrive il processo di ragionamento passo-passo per la specifica predizione</a:t>
+            </a:r>
+            <a:endParaRPr lang="it-IT" sz="2800" b="1" dirty="0">
+              <a:latin typeface="Aptos" panose="020B0004020202020204" pitchFamily="34" charset="0"/>
+            </a:endParaRPr>
           </a:p>
         </p:txBody>
       </p:sp>
+      <p:pic>
+        <p:nvPicPr>
+          <p:cNvPr id="1026" name="Picture 2" descr="Explainable AI: Ensuring Design Decisions are Transparent and Accountable">
+            <a:extLst>
+              <a:ext uri="{FF2B5EF4-FFF2-40B4-BE49-F238E27FC236}">
+                <a16:creationId xmlns:a16="http://schemas.microsoft.com/office/drawing/2014/main" id="{42623A82-5385-76E3-C457-321D65CCAB12}"/>
+              </a:ext>
+            </a:extLst>
+          </p:cNvPr>
+          <p:cNvPicPr>
+            <a:picLocks noChangeAspect="1" noChangeArrowheads="1"/>
+          </p:cNvPicPr>
+          <p:nvPr/>
+        </p:nvPicPr>
+        <p:blipFill>
+          <a:blip r:embed="rId2">
+            <a:extLst>
+              <a:ext uri="{28A0092B-C50C-407E-A947-70E740481C1C}">
+                <a14:useLocalDpi xmlns:a14="http://schemas.microsoft.com/office/drawing/2010/main" val="0"/>
+              </a:ext>
+            </a:extLst>
+          </a:blip>
+          <a:srcRect/>
+          <a:stretch>
+            <a:fillRect/>
+          </a:stretch>
+        </p:blipFill>
+        <p:spPr bwMode="auto">
+          <a:xfrm>
+            <a:off x="6781800" y="1215450"/>
+            <a:ext cx="3013681" cy="2026996"/>
+          </a:xfrm>
+          <a:prstGeom prst="rect">
+            <a:avLst/>
+          </a:prstGeom>
+          <a:noFill/>
+          <a:extLst>
+            <a:ext uri="{909E8E84-426E-40DD-AFC4-6F175D3DCCD1}">
+              <a14:hiddenFill xmlns:a14="http://schemas.microsoft.com/office/drawing/2010/main">
+                <a:solidFill>
+                  <a:srgbClr val="FFFFFF"/>
+                </a:solidFill>
+              </a14:hiddenFill>
+            </a:ext>
+          </a:extLst>
+        </p:spPr>
+      </p:pic>
     </p:spTree>
     <p:extLst>
       <p:ext uri="{BB962C8B-B14F-4D97-AF65-F5344CB8AC3E}">
@@ -4812,7 +5587,7 @@
 </p:sld>
 </file>
 
-<file path=ppt/slides/slide14.xml><?xml version="1.0" encoding="utf-8"?>
+<file path=ppt/slides/slide15.xml><?xml version="1.0" encoding="utf-8"?>
 <p:sld xmlns:a="http://schemas.openxmlformats.org/drawingml/2006/main" xmlns:r="http://schemas.openxmlformats.org/officeDocument/2006/relationships" xmlns:p="http://schemas.openxmlformats.org/presentationml/2006/main" showMasterSp="0">
   <p:cSld>
     <p:spTree>
@@ -5105,7 +5880,7 @@
         </p:nvSpPr>
         <p:spPr>
           <a:xfrm>
-            <a:off x="1932841" y="2819400"/>
+            <a:off x="1932841" y="2904856"/>
             <a:ext cx="8326318" cy="1015663"/>
           </a:xfrm>
           <a:prstGeom prst="rect">

--- a/docs/presentation_powerpoint.pptx
+++ b/docs/presentation_powerpoint.pptx
@@ -357,7 +357,7 @@
           <a:p>
             <a:fld id="{26604F21-9B18-4DE1-AB54-6E38A9691DB2}" type="datetimeFigureOut">
               <a:rPr lang="it-IT" smtClean="0"/>
-              <a:t>18/11/2025</a:t>
+              <a:t>19/11/2025</a:t>
             </a:fld>
             <a:endParaRPr lang="it-IT"/>
           </a:p>
@@ -3409,7 +3409,7 @@
               <a:rPr lang="it-IT" sz="2800" dirty="0">
                 <a:latin typeface="Aptos" panose="020B0004020202020204" pitchFamily="34" charset="0"/>
               </a:rPr>
-              <a:t>Docker, VPS</a:t>
+              <a:t>Docker, Hosting VPS</a:t>
             </a:r>
           </a:p>
           <a:p>
@@ -5078,13 +5078,13 @@
   <p:clrMapOvr>
     <a:masterClrMapping/>
   </p:clrMapOvr>
-  <mc:AlternateContent xmlns:mc="http://schemas.openxmlformats.org/markup-compatibility/2006">
-    <mc:Choice xmlns:p159="http://schemas.microsoft.com/office/powerpoint/2015/09/main" Requires="p159">
+  <mc:AlternateContent xmlns:mc="http://schemas.openxmlformats.org/markup-compatibility/2006" xmlns:p159="http://schemas.microsoft.com/office/powerpoint/2015/09/main">
+    <mc:Choice Requires="p159">
       <p:transition>
         <p159:morph option="byObject"/>
       </p:transition>
     </mc:Choice>
-    <mc:Fallback>
+    <mc:Fallback xmlns="">
       <p:transition>
         <p:fade/>
       </p:transition>
@@ -5544,8 +5544,8 @@
         </p:blipFill>
         <p:spPr bwMode="auto">
           <a:xfrm>
-            <a:off x="6781800" y="1215450"/>
-            <a:ext cx="3013681" cy="2026996"/>
+            <a:off x="6629400" y="1381383"/>
+            <a:ext cx="2951168" cy="1984950"/>
           </a:xfrm>
           <a:prstGeom prst="rect">
             <a:avLst/>
@@ -7846,7 +7846,7 @@
         <p:spPr>
           <a:xfrm>
             <a:off x="723900" y="1676400"/>
-            <a:ext cx="9144000" cy="3539430"/>
+            <a:ext cx="9144000" cy="3970318"/>
           </a:xfrm>
           <a:prstGeom prst="rect">
             <a:avLst/>
@@ -7948,16 +7948,43 @@
               <a:buChar char="•"/>
             </a:pPr>
             <a:r>
+              <a:rPr lang="it-IT" sz="2800" b="1" dirty="0" err="1">
+                <a:latin typeface="Aptos" panose="020B0004020202020204" pitchFamily="34" charset="0"/>
+              </a:rPr>
+              <a:t>Spiegabilità</a:t>
+            </a:r>
+            <a:r>
               <a:rPr lang="it-IT" sz="2800" b="1" dirty="0">
                 <a:latin typeface="Aptos" panose="020B0004020202020204" pitchFamily="34" charset="0"/>
               </a:rPr>
+              <a:t>: </a:t>
+            </a:r>
+            <a:r>
+              <a:rPr lang="it-IT" sz="2800" dirty="0">
+                <a:latin typeface="Aptos" panose="020B0004020202020204" pitchFamily="34" charset="0"/>
+              </a:rPr>
+              <a:t>Analisi e spiegazione delle decisioni</a:t>
+            </a:r>
+            <a:endParaRPr lang="it-IT" sz="2800" b="1" dirty="0">
+              <a:latin typeface="Aptos" panose="020B0004020202020204" pitchFamily="34" charset="0"/>
+            </a:endParaRPr>
+          </a:p>
+          <a:p>
+            <a:pPr marL="457200" indent="-457200" algn="just">
+              <a:buFont typeface="Arial" panose="020B0604020202020204" pitchFamily="34" charset="0"/>
+              <a:buChar char="•"/>
+            </a:pPr>
+            <a:r>
+              <a:rPr lang="it-IT" sz="2800" b="1" dirty="0">
+                <a:latin typeface="Aptos" panose="020B0004020202020204" pitchFamily="34" charset="0"/>
+              </a:rPr>
               <a:t>Scalabilità e manutenibilità: </a:t>
             </a:r>
             <a:r>
               <a:rPr lang="it-IT" sz="2800" dirty="0">
                 <a:latin typeface="Aptos" panose="020B0004020202020204" pitchFamily="34" charset="0"/>
               </a:rPr>
-              <a:t>Architettura a microservizi containerizzati via API </a:t>
+              <a:t>Architettura a microservizi con </a:t>
             </a:r>
             <a:r>
               <a:rPr lang="it-IT" sz="2800" dirty="0" err="1">
@@ -7969,7 +7996,7 @@
               <a:rPr lang="it-IT" sz="2800" dirty="0">
                 <a:latin typeface="Aptos" panose="020B0004020202020204" pitchFamily="34" charset="0"/>
               </a:rPr>
-              <a:t> e database per ogni servizio</a:t>
+              <a:t> API e database-per-service</a:t>
             </a:r>
           </a:p>
         </p:txBody>
@@ -8003,8 +8030,8 @@
         </p:blipFill>
         <p:spPr bwMode="auto">
           <a:xfrm>
-            <a:off x="10134600" y="2383229"/>
-            <a:ext cx="1867448" cy="2091542"/>
+            <a:off x="10210800" y="2709059"/>
+            <a:ext cx="1700893" cy="1905000"/>
           </a:xfrm>
           <a:prstGeom prst="rect">
             <a:avLst/>

--- a/docs/presentation_powerpoint.pptx
+++ b/docs/presentation_powerpoint.pptx
@@ -4738,10 +4738,10 @@
       </p:sp>
       <p:sp>
         <p:nvSpPr>
-          <p:cNvPr id="19" name="CasellaDiTesto 18">
+          <p:cNvPr id="11" name="CasellaDiTesto 10">
             <a:extLst>
               <a:ext uri="{FF2B5EF4-FFF2-40B4-BE49-F238E27FC236}">
-                <a16:creationId xmlns:a16="http://schemas.microsoft.com/office/drawing/2014/main" id="{2F1CFB52-E5EC-1431-9AB7-EBCDB152BAB4}"/>
+                <a16:creationId xmlns:a16="http://schemas.microsoft.com/office/drawing/2014/main" id="{DA51C4E3-7393-1F88-377C-0E35D57346F3}"/>
               </a:ext>
             </a:extLst>
           </p:cNvPr>
@@ -4750,8 +4750,8 @@
         </p:nvSpPr>
         <p:spPr>
           <a:xfrm>
-            <a:off x="723900" y="365720"/>
-            <a:ext cx="3658374" cy="1015663"/>
+            <a:off x="439017" y="6473090"/>
+            <a:ext cx="2084225" cy="369332"/>
           </a:xfrm>
           <a:prstGeom prst="rect">
             <a:avLst/>
@@ -4764,21 +4764,34 @@
           </a:bodyPr>
           <a:lstStyle/>
           <a:p>
-            <a:r>
-              <a:rPr lang="it-IT" sz="6000" b="1" dirty="0">
-                <a:latin typeface="Aptos" panose="020B0004020202020204" pitchFamily="34" charset="0"/>
-              </a:rPr>
-              <a:t>Modelli AI</a:t>
+            <a:pPr algn="ctr"/>
+            <a:r>
+              <a:rPr lang="it-IT" dirty="0" err="1">
+                <a:solidFill>
+                  <a:schemeClr val="bg1"/>
+                </a:solidFill>
+                <a:latin typeface="Aptos" panose="020B0004020202020204" pitchFamily="34" charset="0"/>
+              </a:rPr>
+              <a:t>EarlyCare</a:t>
+            </a:r>
+            <a:r>
+              <a:rPr lang="it-IT" dirty="0">
+                <a:solidFill>
+                  <a:schemeClr val="bg1"/>
+                </a:solidFill>
+                <a:latin typeface="Aptos" panose="020B0004020202020204" pitchFamily="34" charset="0"/>
+              </a:rPr>
+              <a:t> Gateway</a:t>
             </a:r>
           </a:p>
         </p:txBody>
       </p:sp>
       <p:sp>
         <p:nvSpPr>
-          <p:cNvPr id="11" name="CasellaDiTesto 10">
+          <p:cNvPr id="9" name="CasellaDiTesto 8">
             <a:extLst>
               <a:ext uri="{FF2B5EF4-FFF2-40B4-BE49-F238E27FC236}">
-                <a16:creationId xmlns:a16="http://schemas.microsoft.com/office/drawing/2014/main" id="{DA51C4E3-7393-1F88-377C-0E35D57346F3}"/>
+                <a16:creationId xmlns:a16="http://schemas.microsoft.com/office/drawing/2014/main" id="{D851C590-6F5D-1FC6-48E6-AF2184D24E09}"/>
               </a:ext>
             </a:extLst>
           </p:cNvPr>
@@ -4787,8 +4800,253 @@
         </p:nvSpPr>
         <p:spPr>
           <a:xfrm>
-            <a:off x="439017" y="6473090"/>
-            <a:ext cx="2084225" cy="369332"/>
+            <a:off x="723900" y="1381383"/>
+            <a:ext cx="10896600" cy="4832092"/>
+          </a:xfrm>
+          <a:prstGeom prst="rect">
+            <a:avLst/>
+          </a:prstGeom>
+          <a:noFill/>
+        </p:spPr>
+        <p:txBody>
+          <a:bodyPr wrap="square" rtlCol="0">
+            <a:spAutoFit/>
+          </a:bodyPr>
+          <a:lstStyle/>
+          <a:p>
+            <a:pPr algn="just"/>
+            <a:r>
+              <a:rPr lang="it-IT" sz="2800" dirty="0">
+                <a:latin typeface="Aptos" panose="020B0004020202020204" pitchFamily="34" charset="0"/>
+              </a:rPr>
+              <a:t>Strategia AI «</a:t>
+            </a:r>
+            <a:r>
+              <a:rPr lang="it-IT" sz="2800" dirty="0" err="1">
+                <a:latin typeface="Aptos" panose="020B0004020202020204" pitchFamily="34" charset="0"/>
+              </a:rPr>
+              <a:t>swappable</a:t>
+            </a:r>
+            <a:r>
+              <a:rPr lang="it-IT" sz="2800" dirty="0">
+                <a:latin typeface="Aptos" panose="020B0004020202020204" pitchFamily="34" charset="0"/>
+              </a:rPr>
+              <a:t> by domain/</a:t>
+            </a:r>
+            <a:r>
+              <a:rPr lang="it-IT" sz="2800" dirty="0" err="1">
+                <a:latin typeface="Aptos" panose="020B0004020202020204" pitchFamily="34" charset="0"/>
+              </a:rPr>
+              <a:t>pathology</a:t>
+            </a:r>
+            <a:r>
+              <a:rPr lang="it-IT" sz="2800" dirty="0">
+                <a:latin typeface="Aptos" panose="020B0004020202020204" pitchFamily="34" charset="0"/>
+              </a:rPr>
+              <a:t>»</a:t>
+            </a:r>
+          </a:p>
+          <a:p>
+            <a:pPr algn="just"/>
+            <a:endParaRPr lang="it-IT" sz="2800" dirty="0">
+              <a:latin typeface="Aptos" panose="020B0004020202020204" pitchFamily="34" charset="0"/>
+            </a:endParaRPr>
+          </a:p>
+          <a:p>
+            <a:pPr algn="just"/>
+            <a:r>
+              <a:rPr lang="it-IT" sz="2800" b="1" dirty="0">
+                <a:latin typeface="Aptos" panose="020B0004020202020204" pitchFamily="34" charset="0"/>
+              </a:rPr>
+              <a:t>Testo:</a:t>
+            </a:r>
+          </a:p>
+          <a:p>
+            <a:pPr marL="457200" indent="-457200" algn="just">
+              <a:buFont typeface="Arial" panose="020B0604020202020204" pitchFamily="34" charset="0"/>
+              <a:buChar char="•"/>
+            </a:pPr>
+            <a:r>
+              <a:rPr lang="it-IT" sz="2800" b="1" dirty="0" err="1">
+                <a:latin typeface="Aptos" panose="020B0004020202020204" pitchFamily="34" charset="0"/>
+              </a:rPr>
+              <a:t>ClinicalBERT</a:t>
+            </a:r>
+            <a:r>
+              <a:rPr lang="it-IT" sz="2800" b="1" dirty="0">
+                <a:latin typeface="Aptos" panose="020B0004020202020204" pitchFamily="34" charset="0"/>
+              </a:rPr>
+              <a:t>: </a:t>
+            </a:r>
+            <a:r>
+              <a:rPr lang="it-IT" sz="2800" dirty="0">
+                <a:latin typeface="Aptos" panose="020B0004020202020204" pitchFamily="34" charset="0"/>
+              </a:rPr>
+              <a:t>Transformer </a:t>
+            </a:r>
+            <a:r>
+              <a:rPr lang="it-IT" sz="2800" dirty="0" err="1">
+                <a:latin typeface="Aptos" panose="020B0004020202020204" pitchFamily="34" charset="0"/>
+              </a:rPr>
+              <a:t>pre</a:t>
+            </a:r>
+            <a:r>
+              <a:rPr lang="it-IT" sz="2800" dirty="0">
+                <a:latin typeface="Aptos" panose="020B0004020202020204" pitchFamily="34" charset="0"/>
+              </a:rPr>
+              <a:t>-addestrato specificatamente su testi biomedici</a:t>
+            </a:r>
+            <a:endParaRPr lang="it-IT" sz="2800" b="1" dirty="0">
+              <a:latin typeface="Aptos" panose="020B0004020202020204" pitchFamily="34" charset="0"/>
+            </a:endParaRPr>
+          </a:p>
+          <a:p>
+            <a:pPr algn="just"/>
+            <a:r>
+              <a:rPr lang="it-IT" sz="2800" b="1" dirty="0">
+                <a:latin typeface="Aptos" panose="020B0004020202020204" pitchFamily="34" charset="0"/>
+              </a:rPr>
+              <a:t>Immagini e segnali:</a:t>
+            </a:r>
+          </a:p>
+          <a:p>
+            <a:pPr marL="457200" indent="-457200" algn="just">
+              <a:buFont typeface="Arial" panose="020B0604020202020204" pitchFamily="34" charset="0"/>
+              <a:buChar char="•"/>
+            </a:pPr>
+            <a:r>
+              <a:rPr lang="it-IT" sz="2800" b="1" dirty="0" err="1">
+                <a:latin typeface="Aptos" panose="020B0004020202020204" pitchFamily="34" charset="0"/>
+              </a:rPr>
+              <a:t>CheXNet</a:t>
+            </a:r>
+            <a:r>
+              <a:rPr lang="it-IT" sz="2800" dirty="0">
+                <a:latin typeface="Aptos" panose="020B0004020202020204" pitchFamily="34" charset="0"/>
+              </a:rPr>
+              <a:t>: CNN specializzata per radiografie toraciche (RX)</a:t>
+            </a:r>
+          </a:p>
+          <a:p>
+            <a:pPr marL="457200" indent="-457200" algn="just">
+              <a:buFont typeface="Arial" panose="020B0604020202020204" pitchFamily="34" charset="0"/>
+              <a:buChar char="•"/>
+            </a:pPr>
+            <a:r>
+              <a:rPr lang="it-IT" sz="2800" b="1" dirty="0" err="1">
+                <a:latin typeface="Aptos" panose="020B0004020202020204" pitchFamily="34" charset="0"/>
+              </a:rPr>
+              <a:t>EfficientNet</a:t>
+            </a:r>
+            <a:r>
+              <a:rPr lang="it-IT" sz="2800" b="1" dirty="0">
+                <a:latin typeface="Aptos" panose="020B0004020202020204" pitchFamily="34" charset="0"/>
+              </a:rPr>
+              <a:t>: </a:t>
+            </a:r>
+            <a:r>
+              <a:rPr lang="it-IT" sz="2800" dirty="0">
+                <a:latin typeface="Aptos" panose="020B0004020202020204" pitchFamily="34" charset="0"/>
+              </a:rPr>
+              <a:t>CNN specializzata per lesioni cutanee</a:t>
+            </a:r>
+            <a:endParaRPr lang="it-IT" sz="2800" b="1" dirty="0">
+              <a:latin typeface="Aptos" panose="020B0004020202020204" pitchFamily="34" charset="0"/>
+            </a:endParaRPr>
+          </a:p>
+          <a:p>
+            <a:pPr marL="457200" indent="-457200" algn="just">
+              <a:buFont typeface="Arial" panose="020B0604020202020204" pitchFamily="34" charset="0"/>
+              <a:buChar char="•"/>
+            </a:pPr>
+            <a:r>
+              <a:rPr lang="it-IT" sz="2800" b="1" dirty="0">
+                <a:latin typeface="Aptos" panose="020B0004020202020204" pitchFamily="34" charset="0"/>
+              </a:rPr>
+              <a:t>Google Gemini: </a:t>
+            </a:r>
+            <a:r>
+              <a:rPr lang="it-IT" sz="2800" dirty="0">
+                <a:latin typeface="Aptos" panose="020B0004020202020204" pitchFamily="34" charset="0"/>
+              </a:rPr>
+              <a:t>Per altri domini di imaging e segnali</a:t>
+            </a:r>
+          </a:p>
+          <a:p>
+            <a:pPr algn="just"/>
+            <a:r>
+              <a:rPr lang="it-IT" sz="2800" b="1" dirty="0">
+                <a:latin typeface="Aptos" panose="020B0004020202020204" pitchFamily="34" charset="0"/>
+              </a:rPr>
+              <a:t>Dati strutturati:</a:t>
+            </a:r>
+          </a:p>
+          <a:p>
+            <a:pPr marL="457200" indent="-457200" algn="just">
+              <a:buFont typeface="Arial" panose="020B0604020202020204" pitchFamily="34" charset="0"/>
+              <a:buChar char="•"/>
+            </a:pPr>
+            <a:r>
+              <a:rPr lang="it-IT" sz="2800" b="1" dirty="0" err="1">
+                <a:latin typeface="Aptos" panose="020B0004020202020204" pitchFamily="34" charset="0"/>
+              </a:rPr>
+              <a:t>XGBoost</a:t>
+            </a:r>
+            <a:r>
+              <a:rPr lang="it-IT" sz="2800" b="1" dirty="0">
+                <a:latin typeface="Aptos" panose="020B0004020202020204" pitchFamily="34" charset="0"/>
+              </a:rPr>
+              <a:t>: </a:t>
+            </a:r>
+            <a:r>
+              <a:rPr lang="it-IT" sz="2800" dirty="0">
+                <a:latin typeface="Aptos" panose="020B0004020202020204" pitchFamily="34" charset="0"/>
+              </a:rPr>
+              <a:t>Modello basato su </a:t>
+            </a:r>
+            <a:r>
+              <a:rPr lang="it-IT" sz="2800" dirty="0" err="1">
+                <a:latin typeface="Aptos" panose="020B0004020202020204" pitchFamily="34" charset="0"/>
+              </a:rPr>
+              <a:t>Gradient</a:t>
+            </a:r>
+            <a:r>
+              <a:rPr lang="it-IT" sz="2800" dirty="0">
+                <a:latin typeface="Aptos" panose="020B0004020202020204" pitchFamily="34" charset="0"/>
+              </a:rPr>
+              <a:t> </a:t>
+            </a:r>
+            <a:r>
+              <a:rPr lang="it-IT" sz="2800" dirty="0" err="1">
+                <a:latin typeface="Aptos" panose="020B0004020202020204" pitchFamily="34" charset="0"/>
+              </a:rPr>
+              <a:t>Boosting</a:t>
+            </a:r>
+            <a:r>
+              <a:rPr lang="it-IT" sz="2800" dirty="0">
+                <a:latin typeface="Aptos" panose="020B0004020202020204" pitchFamily="34" charset="0"/>
+              </a:rPr>
+              <a:t> per dati tabulari</a:t>
+            </a:r>
+          </a:p>
+        </p:txBody>
+      </p:sp>
+      <p:sp>
+        <p:nvSpPr>
+          <p:cNvPr id="5" name="CasellaDiTesto 4">
+            <a:extLst>
+              <a:ext uri="{FF2B5EF4-FFF2-40B4-BE49-F238E27FC236}">
+                <a16:creationId xmlns:a16="http://schemas.microsoft.com/office/drawing/2014/main" id="{A7448AFF-CFFE-40AA-8936-6D640900CBCD}"/>
+              </a:ext>
+            </a:extLst>
+          </p:cNvPr>
+          <p:cNvSpPr txBox="1"/>
+          <p:nvPr/>
+        </p:nvSpPr>
+        <p:spPr>
+          <a:xfrm>
+            <a:off x="723900" y="365720"/>
+            <a:ext cx="5910592" cy="1015663"/>
           </a:xfrm>
           <a:prstGeom prst="rect">
             <a:avLst/>
@@ -4801,269 +5059,11 @@
           </a:bodyPr>
           <a:lstStyle/>
           <a:p>
-            <a:pPr algn="ctr"/>
-            <a:r>
-              <a:rPr lang="it-IT" dirty="0" err="1">
-                <a:solidFill>
-                  <a:schemeClr val="bg1"/>
-                </a:solidFill>
-                <a:latin typeface="Aptos" panose="020B0004020202020204" pitchFamily="34" charset="0"/>
-              </a:rPr>
-              <a:t>EarlyCare</a:t>
-            </a:r>
-            <a:r>
-              <a:rPr lang="it-IT" dirty="0">
-                <a:solidFill>
-                  <a:schemeClr val="bg1"/>
-                </a:solidFill>
-                <a:latin typeface="Aptos" panose="020B0004020202020204" pitchFamily="34" charset="0"/>
-              </a:rPr>
-              <a:t> Gateway</a:t>
-            </a:r>
-          </a:p>
-        </p:txBody>
-      </p:sp>
-      <p:sp>
-        <p:nvSpPr>
-          <p:cNvPr id="9" name="CasellaDiTesto 8">
-            <a:extLst>
-              <a:ext uri="{FF2B5EF4-FFF2-40B4-BE49-F238E27FC236}">
-                <a16:creationId xmlns:a16="http://schemas.microsoft.com/office/drawing/2014/main" id="{D851C590-6F5D-1FC6-48E6-AF2184D24E09}"/>
-              </a:ext>
-            </a:extLst>
-          </p:cNvPr>
-          <p:cNvSpPr txBox="1"/>
-          <p:nvPr/>
-        </p:nvSpPr>
-        <p:spPr>
-          <a:xfrm>
-            <a:off x="647700" y="1381383"/>
-            <a:ext cx="10896600" cy="4832092"/>
-          </a:xfrm>
-          <a:prstGeom prst="rect">
-            <a:avLst/>
-          </a:prstGeom>
-          <a:noFill/>
-        </p:spPr>
-        <p:txBody>
-          <a:bodyPr wrap="square" rtlCol="0">
-            <a:spAutoFit/>
-          </a:bodyPr>
-          <a:lstStyle/>
-          <a:p>
-            <a:pPr algn="just"/>
-            <a:r>
-              <a:rPr lang="it-IT" sz="2800" dirty="0">
-                <a:latin typeface="Aptos" panose="020B0004020202020204" pitchFamily="34" charset="0"/>
-              </a:rPr>
-              <a:t>Strategia AI «</a:t>
-            </a:r>
-            <a:r>
-              <a:rPr lang="it-IT" sz="2800" dirty="0" err="1">
-                <a:latin typeface="Aptos" panose="020B0004020202020204" pitchFamily="34" charset="0"/>
-              </a:rPr>
-              <a:t>swappable</a:t>
-            </a:r>
-            <a:r>
-              <a:rPr lang="it-IT" sz="2800" dirty="0">
-                <a:latin typeface="Aptos" panose="020B0004020202020204" pitchFamily="34" charset="0"/>
-              </a:rPr>
-              <a:t> by domain/</a:t>
-            </a:r>
-            <a:r>
-              <a:rPr lang="it-IT" sz="2800" dirty="0" err="1">
-                <a:latin typeface="Aptos" panose="020B0004020202020204" pitchFamily="34" charset="0"/>
-              </a:rPr>
-              <a:t>pathology</a:t>
-            </a:r>
-            <a:r>
-              <a:rPr lang="it-IT" sz="2800" dirty="0">
-                <a:latin typeface="Aptos" panose="020B0004020202020204" pitchFamily="34" charset="0"/>
-              </a:rPr>
-              <a:t>»</a:t>
-            </a:r>
-          </a:p>
-          <a:p>
-            <a:pPr algn="just"/>
-            <a:endParaRPr lang="it-IT" sz="2800" dirty="0">
-              <a:latin typeface="Aptos" panose="020B0004020202020204" pitchFamily="34" charset="0"/>
-            </a:endParaRPr>
-          </a:p>
-          <a:p>
-            <a:pPr algn="just"/>
-            <a:r>
-              <a:rPr lang="it-IT" sz="2800" b="1" dirty="0">
-                <a:latin typeface="Aptos" panose="020B0004020202020204" pitchFamily="34" charset="0"/>
-              </a:rPr>
-              <a:t>Testo:</a:t>
-            </a:r>
-          </a:p>
-          <a:p>
-            <a:pPr marL="457200" indent="-457200" algn="just">
-              <a:buFont typeface="Arial" panose="020B0604020202020204" pitchFamily="34" charset="0"/>
-              <a:buChar char="•"/>
-            </a:pPr>
-            <a:r>
-              <a:rPr lang="it-IT" sz="2800" b="1" dirty="0" err="1">
-                <a:latin typeface="Aptos" panose="020B0004020202020204" pitchFamily="34" charset="0"/>
-              </a:rPr>
-              <a:t>ClinicalBERT</a:t>
-            </a:r>
-            <a:r>
-              <a:rPr lang="it-IT" sz="2800" b="1" dirty="0">
-                <a:latin typeface="Aptos" panose="020B0004020202020204" pitchFamily="34" charset="0"/>
-              </a:rPr>
-              <a:t>: </a:t>
-            </a:r>
-            <a:r>
-              <a:rPr lang="it-IT" sz="2800" dirty="0">
-                <a:latin typeface="Aptos" panose="020B0004020202020204" pitchFamily="34" charset="0"/>
-              </a:rPr>
-              <a:t>Transformer </a:t>
-            </a:r>
-            <a:r>
-              <a:rPr lang="it-IT" sz="2800" dirty="0" err="1">
-                <a:latin typeface="Aptos" panose="020B0004020202020204" pitchFamily="34" charset="0"/>
-              </a:rPr>
-              <a:t>pre</a:t>
-            </a:r>
-            <a:r>
-              <a:rPr lang="it-IT" sz="2800" dirty="0">
-                <a:latin typeface="Aptos" panose="020B0004020202020204" pitchFamily="34" charset="0"/>
-              </a:rPr>
-              <a:t>-addestrato specificatamente su testi biomedici</a:t>
-            </a:r>
-            <a:endParaRPr lang="it-IT" sz="2800" b="1" dirty="0">
-              <a:latin typeface="Aptos" panose="020B0004020202020204" pitchFamily="34" charset="0"/>
-            </a:endParaRPr>
-          </a:p>
-          <a:p>
-            <a:pPr algn="just"/>
-            <a:r>
-              <a:rPr lang="it-IT" sz="2800" b="1" dirty="0">
-                <a:latin typeface="Aptos" panose="020B0004020202020204" pitchFamily="34" charset="0"/>
-              </a:rPr>
-              <a:t>Immagini e segnali:</a:t>
-            </a:r>
-          </a:p>
-          <a:p>
-            <a:pPr marL="457200" indent="-457200" algn="just">
-              <a:buFont typeface="Arial" panose="020B0604020202020204" pitchFamily="34" charset="0"/>
-              <a:buChar char="•"/>
-            </a:pPr>
-            <a:r>
-              <a:rPr lang="it-IT" sz="2800" b="1" dirty="0" err="1">
-                <a:latin typeface="Aptos" panose="020B0004020202020204" pitchFamily="34" charset="0"/>
-              </a:rPr>
-              <a:t>CheXNet</a:t>
-            </a:r>
-            <a:r>
-              <a:rPr lang="it-IT" sz="2800" dirty="0">
-                <a:latin typeface="Aptos" panose="020B0004020202020204" pitchFamily="34" charset="0"/>
-              </a:rPr>
-              <a:t>: CNN specializzata per radiografie toraciche (RX)</a:t>
-            </a:r>
-          </a:p>
-          <a:p>
-            <a:pPr marL="457200" indent="-457200" algn="just">
-              <a:buFont typeface="Arial" panose="020B0604020202020204" pitchFamily="34" charset="0"/>
-              <a:buChar char="•"/>
-            </a:pPr>
-            <a:r>
-              <a:rPr lang="it-IT" sz="2800" b="1" dirty="0" err="1">
-                <a:latin typeface="Aptos" panose="020B0004020202020204" pitchFamily="34" charset="0"/>
-              </a:rPr>
-              <a:t>EfficientNet</a:t>
-            </a:r>
-            <a:r>
-              <a:rPr lang="it-IT" sz="2800" b="1" dirty="0">
-                <a:latin typeface="Aptos" panose="020B0004020202020204" pitchFamily="34" charset="0"/>
-              </a:rPr>
-              <a:t>: </a:t>
-            </a:r>
-            <a:r>
-              <a:rPr lang="it-IT" sz="2800" dirty="0">
-                <a:latin typeface="Aptos" panose="020B0004020202020204" pitchFamily="34" charset="0"/>
-              </a:rPr>
-              <a:t>CNN specializzata per lesioni cutanee</a:t>
-            </a:r>
-            <a:endParaRPr lang="it-IT" sz="2800" b="1" dirty="0">
-              <a:latin typeface="Aptos" panose="020B0004020202020204" pitchFamily="34" charset="0"/>
-            </a:endParaRPr>
-          </a:p>
-          <a:p>
-            <a:pPr marL="457200" indent="-457200" algn="just">
-              <a:buFont typeface="Arial" panose="020B0604020202020204" pitchFamily="34" charset="0"/>
-              <a:buChar char="•"/>
-            </a:pPr>
-            <a:r>
-              <a:rPr lang="it-IT" sz="2800" b="1" dirty="0">
-                <a:latin typeface="Aptos" panose="020B0004020202020204" pitchFamily="34" charset="0"/>
-              </a:rPr>
-              <a:t>Google Gemini: </a:t>
-            </a:r>
-            <a:r>
-              <a:rPr lang="it-IT" sz="2800" dirty="0">
-                <a:latin typeface="Aptos" panose="020B0004020202020204" pitchFamily="34" charset="0"/>
-              </a:rPr>
-              <a:t>Per altri domini di imaging e segnali</a:t>
-            </a:r>
-          </a:p>
-          <a:p>
-            <a:pPr algn="just"/>
-            <a:r>
-              <a:rPr lang="it-IT" sz="2800" b="1" dirty="0">
-                <a:latin typeface="Aptos" panose="020B0004020202020204" pitchFamily="34" charset="0"/>
-              </a:rPr>
-              <a:t>Dati strutturati:</a:t>
-            </a:r>
-          </a:p>
-          <a:p>
-            <a:pPr marL="457200" indent="-457200" algn="just">
-              <a:buFont typeface="Arial" panose="020B0604020202020204" pitchFamily="34" charset="0"/>
-              <a:buChar char="•"/>
-            </a:pPr>
-            <a:r>
-              <a:rPr lang="it-IT" sz="2800" b="1" dirty="0" err="1">
-                <a:latin typeface="Aptos" panose="020B0004020202020204" pitchFamily="34" charset="0"/>
-              </a:rPr>
-              <a:t>XGBoost</a:t>
-            </a:r>
-            <a:r>
-              <a:rPr lang="it-IT" sz="2800" b="1" dirty="0">
-                <a:latin typeface="Aptos" panose="020B0004020202020204" pitchFamily="34" charset="0"/>
-              </a:rPr>
-              <a:t>: </a:t>
-            </a:r>
-            <a:r>
-              <a:rPr lang="it-IT" sz="2800" dirty="0">
-                <a:latin typeface="Aptos" panose="020B0004020202020204" pitchFamily="34" charset="0"/>
-              </a:rPr>
-              <a:t>Modello basato su </a:t>
-            </a:r>
-            <a:r>
-              <a:rPr lang="it-IT" sz="2800" dirty="0" err="1">
-                <a:latin typeface="Aptos" panose="020B0004020202020204" pitchFamily="34" charset="0"/>
-              </a:rPr>
-              <a:t>Gradient</a:t>
-            </a:r>
-            <a:r>
-              <a:rPr lang="it-IT" sz="2800" dirty="0">
-                <a:latin typeface="Aptos" panose="020B0004020202020204" pitchFamily="34" charset="0"/>
-              </a:rPr>
-              <a:t> </a:t>
-            </a:r>
-            <a:r>
-              <a:rPr lang="it-IT" sz="2800" dirty="0" err="1">
-                <a:latin typeface="Aptos" panose="020B0004020202020204" pitchFamily="34" charset="0"/>
-              </a:rPr>
-              <a:t>Boosting</a:t>
-            </a:r>
-            <a:r>
-              <a:rPr lang="it-IT" sz="2800" dirty="0">
-                <a:latin typeface="Aptos" panose="020B0004020202020204" pitchFamily="34" charset="0"/>
-              </a:rPr>
-              <a:t> per dati tabulari</a:t>
+            <a:r>
+              <a:rPr lang="it-IT" sz="6000" b="1" dirty="0">
+                <a:latin typeface="Aptos" panose="020B0004020202020204" pitchFamily="34" charset="0"/>
+              </a:rPr>
+              <a:t>Progettazione AI</a:t>
             </a:r>
           </a:p>
         </p:txBody>
@@ -5401,7 +5401,7 @@
         </p:nvSpPr>
         <p:spPr>
           <a:xfrm>
-            <a:off x="723900" y="2153652"/>
+            <a:off x="723900" y="2057400"/>
             <a:ext cx="10896600" cy="3539430"/>
           </a:xfrm>
           <a:prstGeom prst="rect">
